--- a/doc/fds/PLANNING.pptx
+++ b/doc/fds/PLANNING.pptx
@@ -3339,7 +3339,7 @@
           <a:p>
             <a:r>
               <a:rPr lang="it-IT" smtClean="0"/>
-              <a:t>test1</a:t>
+              <a:t>Test1 odificato</a:t>
             </a:r>
             <a:endParaRPr lang="it-IT"/>
           </a:p>
